--- a/Containerized SPA with .NET Backend.pptx
+++ b/Containerized SPA with .NET Backend.pptx
@@ -25,8 +25,8 @@
     <p:sldId id="334" r:id="rId19"/>
     <p:sldId id="335" r:id="rId20"/>
     <p:sldId id="331" r:id="rId21"/>
-    <p:sldId id="332" r:id="rId22"/>
-    <p:sldId id="336" r:id="rId23"/>
+    <p:sldId id="336" r:id="rId22"/>
+    <p:sldId id="337" r:id="rId23"/>
     <p:sldId id="333" r:id="rId24"/>
   </p:sldIdLst>
   <p:sldSz cx="12192000" cy="6858000"/>
@@ -4725,7 +4725,7 @@
           <a:p>
             <a:fld id="{C8716F1E-50E7-C64C-9C46-ADEA85BC4BB9}" type="datetimeFigureOut">
               <a:rPr lang="en-US" smtClean="0"/>
-              <a:t>10/8/2017</a:t>
+              <a:t>10/12/2017</a:t>
             </a:fld>
             <a:endParaRPr lang="en-US"/>
           </a:p>
@@ -7145,7 +7145,7 @@
           <a:p>
             <a:fld id="{C764DE79-268F-4C1A-8933-263129D2AF90}" type="datetimeFigureOut">
               <a:rPr lang="en-US" smtClean="0"/>
-              <a:t>10/8/2017</a:t>
+              <a:t>10/12/2017</a:t>
             </a:fld>
             <a:endParaRPr lang="en-US"/>
           </a:p>
@@ -7318,7 +7318,7 @@
           <a:p>
             <a:fld id="{C764DE79-268F-4C1A-8933-263129D2AF90}" type="datetimeFigureOut">
               <a:rPr lang="en-US" smtClean="0"/>
-              <a:t>10/8/2017</a:t>
+              <a:t>10/12/2017</a:t>
             </a:fld>
             <a:endParaRPr lang="en-US"/>
           </a:p>
@@ -7501,7 +7501,7 @@
           <a:p>
             <a:fld id="{C764DE79-268F-4C1A-8933-263129D2AF90}" type="datetimeFigureOut">
               <a:rPr lang="en-US" smtClean="0"/>
-              <a:t>10/8/2017</a:t>
+              <a:t>10/12/2017</a:t>
             </a:fld>
             <a:endParaRPr lang="en-US"/>
           </a:p>
@@ -7674,7 +7674,7 @@
           <a:p>
             <a:fld id="{C764DE79-268F-4C1A-8933-263129D2AF90}" type="datetimeFigureOut">
               <a:rPr lang="en-US" smtClean="0"/>
-              <a:t>10/8/2017</a:t>
+              <a:t>10/12/2017</a:t>
             </a:fld>
             <a:endParaRPr lang="en-US"/>
           </a:p>
@@ -7923,7 +7923,7 @@
           <a:p>
             <a:fld id="{C764DE79-268F-4C1A-8933-263129D2AF90}" type="datetimeFigureOut">
               <a:rPr lang="en-US" smtClean="0"/>
-              <a:t>10/8/2017</a:t>
+              <a:t>10/12/2017</a:t>
             </a:fld>
             <a:endParaRPr lang="en-US"/>
           </a:p>
@@ -8158,7 +8158,7 @@
           <a:p>
             <a:fld id="{C764DE79-268F-4C1A-8933-263129D2AF90}" type="datetimeFigureOut">
               <a:rPr lang="en-US" smtClean="0"/>
-              <a:t>10/8/2017</a:t>
+              <a:t>10/12/2017</a:t>
             </a:fld>
             <a:endParaRPr lang="en-US"/>
           </a:p>
@@ -8528,7 +8528,7 @@
           <a:p>
             <a:fld id="{C764DE79-268F-4C1A-8933-263129D2AF90}" type="datetimeFigureOut">
               <a:rPr lang="en-US" smtClean="0"/>
-              <a:t>10/8/2017</a:t>
+              <a:t>10/12/2017</a:t>
             </a:fld>
             <a:endParaRPr lang="en-US"/>
           </a:p>
@@ -8649,7 +8649,7 @@
           <a:p>
             <a:fld id="{C764DE79-268F-4C1A-8933-263129D2AF90}" type="datetimeFigureOut">
               <a:rPr lang="en-US" smtClean="0"/>
-              <a:t>10/8/2017</a:t>
+              <a:t>10/12/2017</a:t>
             </a:fld>
             <a:endParaRPr lang="en-US"/>
           </a:p>
@@ -8747,7 +8747,7 @@
           <a:p>
             <a:fld id="{C764DE79-268F-4C1A-8933-263129D2AF90}" type="datetimeFigureOut">
               <a:rPr lang="en-US" smtClean="0"/>
-              <a:t>10/8/2017</a:t>
+              <a:t>10/12/2017</a:t>
             </a:fld>
             <a:endParaRPr lang="en-US"/>
           </a:p>
@@ -9027,7 +9027,7 @@
           <a:p>
             <a:fld id="{C764DE79-268F-4C1A-8933-263129D2AF90}" type="datetimeFigureOut">
               <a:rPr lang="en-US" smtClean="0"/>
-              <a:t>10/8/2017</a:t>
+              <a:t>10/12/2017</a:t>
             </a:fld>
             <a:endParaRPr lang="en-US"/>
           </a:p>
@@ -9287,7 +9287,7 @@
           <a:p>
             <a:fld id="{C764DE79-268F-4C1A-8933-263129D2AF90}" type="datetimeFigureOut">
               <a:rPr lang="en-US" smtClean="0"/>
-              <a:t>10/8/2017</a:t>
+              <a:t>10/12/2017</a:t>
             </a:fld>
             <a:endParaRPr lang="en-US"/>
           </a:p>
@@ -9503,7 +9503,7 @@
           <a:p>
             <a:fld id="{C764DE79-268F-4C1A-8933-263129D2AF90}" type="datetimeFigureOut">
               <a:rPr lang="en-US" smtClean="0"/>
-              <a:t>10/8/2017</a:t>
+              <a:t>10/12/2017</a:t>
             </a:fld>
             <a:endParaRPr lang="en-US"/>
           </a:p>
@@ -10027,9 +10027,14 @@
   <p:clrMapOvr>
     <a:masterClrMapping/>
   </p:clrMapOvr>
-  <p:transition spd="slow">
-    <p:push dir="u"/>
-  </p:transition>
+  <mc:AlternateContent xmlns:mc="http://schemas.openxmlformats.org/markup-compatibility/2006">
+    <mc:Choice xmlns:p14="http://schemas.microsoft.com/office/powerpoint/2010/main" Requires="p14">
+      <p:transition p14:dur="0"/>
+    </mc:Choice>
+    <mc:Fallback>
+      <p:transition/>
+    </mc:Fallback>
+  </mc:AlternateContent>
 </p:sld>
 </file>
 
@@ -10167,9 +10172,14 @@
   <p:clrMapOvr>
     <a:masterClrMapping/>
   </p:clrMapOvr>
-  <p:transition spd="slow">
-    <p:push dir="u"/>
-  </p:transition>
+  <mc:AlternateContent xmlns:mc="http://schemas.openxmlformats.org/markup-compatibility/2006">
+    <mc:Choice xmlns:p14="http://schemas.microsoft.com/office/powerpoint/2010/main" Requires="p14">
+      <p:transition p14:dur="0"/>
+    </mc:Choice>
+    <mc:Fallback>
+      <p:transition/>
+    </mc:Fallback>
+  </mc:AlternateContent>
 </p:sld>
 </file>
 
@@ -10816,9 +10826,14 @@
   <p:clrMapOvr>
     <a:masterClrMapping/>
   </p:clrMapOvr>
-  <p:transition spd="slow">
-    <p:push dir="u"/>
-  </p:transition>
+  <mc:AlternateContent xmlns:mc="http://schemas.openxmlformats.org/markup-compatibility/2006">
+    <mc:Choice xmlns:p14="http://schemas.microsoft.com/office/powerpoint/2010/main" Requires="p14">
+      <p:transition p14:dur="0"/>
+    </mc:Choice>
+    <mc:Fallback>
+      <p:transition/>
+    </mc:Fallback>
+  </mc:AlternateContent>
 </p:sld>
 </file>
 
@@ -11191,9 +11206,14 @@
   <p:clrMapOvr>
     <a:masterClrMapping/>
   </p:clrMapOvr>
-  <p:transition spd="slow">
-    <p:push dir="u"/>
-  </p:transition>
+  <mc:AlternateContent xmlns:mc="http://schemas.openxmlformats.org/markup-compatibility/2006">
+    <mc:Choice xmlns:p14="http://schemas.microsoft.com/office/powerpoint/2010/main" Requires="p14">
+      <p:transition p14:dur="0"/>
+    </mc:Choice>
+    <mc:Fallback>
+      <p:transition/>
+    </mc:Fallback>
+  </mc:AlternateContent>
 </p:sld>
 </file>
 
@@ -11334,9 +11354,14 @@
   <p:clrMapOvr>
     <a:masterClrMapping/>
   </p:clrMapOvr>
-  <p:transition spd="slow">
-    <p:push dir="u"/>
-  </p:transition>
+  <mc:AlternateContent xmlns:mc="http://schemas.openxmlformats.org/markup-compatibility/2006">
+    <mc:Choice xmlns:p14="http://schemas.microsoft.com/office/powerpoint/2010/main" Requires="p14">
+      <p:transition p14:dur="0"/>
+    </mc:Choice>
+    <mc:Fallback>
+      <p:transition/>
+    </mc:Fallback>
+  </mc:AlternateContent>
 </p:sld>
 </file>
 
@@ -11665,9 +11690,14 @@
   <p:clrMapOvr>
     <a:masterClrMapping/>
   </p:clrMapOvr>
-  <p:transition spd="slow">
-    <p:push dir="u"/>
-  </p:transition>
+  <mc:AlternateContent xmlns:mc="http://schemas.openxmlformats.org/markup-compatibility/2006">
+    <mc:Choice xmlns:p14="http://schemas.microsoft.com/office/powerpoint/2010/main" Requires="p14">
+      <p:transition p14:dur="0"/>
+    </mc:Choice>
+    <mc:Fallback>
+      <p:transition/>
+    </mc:Fallback>
+  </mc:AlternateContent>
 </p:sld>
 </file>
 
@@ -12014,9 +12044,14 @@
   <p:clrMapOvr>
     <a:masterClrMapping/>
   </p:clrMapOvr>
-  <p:transition spd="slow">
-    <p:push dir="u"/>
-  </p:transition>
+  <mc:AlternateContent xmlns:mc="http://schemas.openxmlformats.org/markup-compatibility/2006">
+    <mc:Choice xmlns:p14="http://schemas.microsoft.com/office/powerpoint/2010/main" Requires="p14">
+      <p:transition p14:dur="0"/>
+    </mc:Choice>
+    <mc:Fallback>
+      <p:transition/>
+    </mc:Fallback>
+  </mc:AlternateContent>
 </p:sld>
 </file>
 
@@ -12373,9 +12408,14 @@
   <p:clrMapOvr>
     <a:masterClrMapping/>
   </p:clrMapOvr>
-  <p:transition spd="slow">
-    <p:push dir="u"/>
-  </p:transition>
+  <mc:AlternateContent xmlns:mc="http://schemas.openxmlformats.org/markup-compatibility/2006">
+    <mc:Choice xmlns:p14="http://schemas.microsoft.com/office/powerpoint/2010/main" Requires="p14">
+      <p:transition p14:dur="0"/>
+    </mc:Choice>
+    <mc:Fallback>
+      <p:transition/>
+    </mc:Fallback>
+  </mc:AlternateContent>
 </p:sld>
 </file>
 
@@ -12501,9 +12541,14 @@
   <p:clrMapOvr>
     <a:masterClrMapping/>
   </p:clrMapOvr>
-  <p:transition spd="slow">
-    <p:push dir="u"/>
-  </p:transition>
+  <mc:AlternateContent xmlns:mc="http://schemas.openxmlformats.org/markup-compatibility/2006">
+    <mc:Choice xmlns:p14="http://schemas.microsoft.com/office/powerpoint/2010/main" Requires="p14">
+      <p:transition p14:dur="0"/>
+    </mc:Choice>
+    <mc:Fallback>
+      <p:transition/>
+    </mc:Fallback>
+  </mc:AlternateContent>
 </p:sld>
 </file>
 
@@ -12562,8 +12607,8 @@
         </p:nvSpPr>
         <p:spPr>
           <a:xfrm>
-            <a:off x="4105213" y="2396533"/>
-            <a:ext cx="3981574" cy="707886"/>
+            <a:off x="793751" y="2367669"/>
+            <a:ext cx="10592536" cy="1569660"/>
           </a:xfrm>
           <a:prstGeom prst="rect">
             <a:avLst/>
@@ -12575,11 +12620,39 @@
           </a:bodyPr>
           <a:lstStyle/>
           <a:p>
-            <a:pPr algn="ctr"/>
-            <a:r>
-              <a:rPr lang="en-US" sz="4000" dirty="0"/>
-              <a:t>Q &amp; A</a:t>
-            </a:r>
+            <a:pPr marL="571500" indent="-571500">
+              <a:buFont typeface="Arial" panose="020B0604020202020204" pitchFamily="34" charset="0"/>
+              <a:buChar char="•"/>
+            </a:pPr>
+            <a:r>
+              <a:rPr lang="en-US" sz="3200" dirty="0"/>
+              <a:t>Go and build your first SPA</a:t>
+            </a:r>
+          </a:p>
+          <a:p>
+            <a:pPr marL="571500" indent="-571500">
+              <a:buFont typeface="Arial" panose="020B0604020202020204" pitchFamily="34" charset="0"/>
+              <a:buChar char="•"/>
+            </a:pPr>
+            <a:r>
+              <a:rPr lang="en-US" sz="3200" dirty="0"/>
+              <a:t>If you need a backend for it, try ASP.NET Core</a:t>
+            </a:r>
+          </a:p>
+          <a:p>
+            <a:pPr marL="571500" indent="-571500">
+              <a:buFont typeface="Arial" panose="020B0604020202020204" pitchFamily="34" charset="0"/>
+              <a:buChar char="•"/>
+            </a:pPr>
+            <a:r>
+              <a:rPr lang="en-US" sz="3200" dirty="0"/>
+              <a:t>If you liked it, go deeper, try adding </a:t>
+            </a:r>
+            <a:r>
+              <a:rPr lang="en-US" sz="3200" dirty="0" err="1"/>
+              <a:t>Docker</a:t>
+            </a:r>
+            <a:endParaRPr lang="en-US" sz="3200" dirty="0"/>
           </a:p>
         </p:txBody>
       </p:sp>
@@ -12619,19 +12692,78 @@
           </a:prstGeom>
         </p:spPr>
       </p:pic>
+      <p:sp>
+        <p:nvSpPr>
+          <p:cNvPr id="7" name="Title 1">
+            <a:extLst>
+              <a:ext uri="{FF2B5EF4-FFF2-40B4-BE49-F238E27FC236}">
+                <a16:creationId xmlns:a16="http://schemas.microsoft.com/office/drawing/2014/main" id="{D38F1C5B-4477-476C-85CF-465DCD3C8217}"/>
+              </a:ext>
+            </a:extLst>
+          </p:cNvPr>
+          <p:cNvSpPr txBox="1">
+            <a:spLocks/>
+          </p:cNvSpPr>
+          <p:nvPr/>
+        </p:nvSpPr>
+        <p:spPr>
+          <a:xfrm>
+            <a:off x="766163" y="1030288"/>
+            <a:ext cx="10515600" cy="1080088"/>
+          </a:xfrm>
+          <a:prstGeom prst="rect">
+            <a:avLst/>
+          </a:prstGeom>
+        </p:spPr>
+        <p:txBody>
+          <a:bodyPr vert="horz" lIns="91440" tIns="45720" rIns="91440" bIns="45720" rtlCol="0" anchor="ctr">
+            <a:normAutofit/>
+          </a:bodyPr>
+          <a:lstStyle>
+            <a:lvl1pPr algn="l" defTabSz="914400" rtl="0" eaLnBrk="1" latinLnBrk="0" hangingPunct="1">
+              <a:lnSpc>
+                <a:spcPct val="90000"/>
+              </a:lnSpc>
+              <a:spcBef>
+                <a:spcPct val="0"/>
+              </a:spcBef>
+              <a:buNone/>
+              <a:defRPr sz="4400" kern="1200">
+                <a:solidFill>
+                  <a:schemeClr val="tx1"/>
+                </a:solidFill>
+                <a:latin typeface="+mj-lt"/>
+                <a:ea typeface="+mj-ea"/>
+                <a:cs typeface="+mj-cs"/>
+              </a:defRPr>
+            </a:lvl1pPr>
+          </a:lstStyle>
+          <a:p>
+            <a:r>
+              <a:rPr lang="en-US" dirty="0"/>
+              <a:t>Call</a:t>
+            </a:r>
+          </a:p>
+        </p:txBody>
+      </p:sp>
     </p:spTree>
     <p:extLst>
       <p:ext uri="{BB962C8B-B14F-4D97-AF65-F5344CB8AC3E}">
-        <p14:creationId xmlns:p14="http://schemas.microsoft.com/office/powerpoint/2010/main" val="3859122029"/>
+        <p14:creationId xmlns:p14="http://schemas.microsoft.com/office/powerpoint/2010/main" val="2948549210"/>
       </p:ext>
     </p:extLst>
   </p:cSld>
   <p:clrMapOvr>
     <a:masterClrMapping/>
   </p:clrMapOvr>
-  <p:transition spd="slow">
-    <p:push dir="u"/>
-  </p:transition>
+  <mc:AlternateContent xmlns:mc="http://schemas.openxmlformats.org/markup-compatibility/2006">
+    <mc:Choice xmlns:p14="http://schemas.microsoft.com/office/powerpoint/2010/main" Requires="p14">
+      <p:transition p14:dur="0"/>
+    </mc:Choice>
+    <mc:Fallback>
+      <p:transition/>
+    </mc:Fallback>
+  </mc:AlternateContent>
 </p:sld>
 </file>
 
@@ -12691,7 +12823,7 @@
         <p:spPr>
           <a:xfrm>
             <a:off x="793751" y="2367669"/>
-            <a:ext cx="10592536" cy="1938992"/>
+            <a:ext cx="10592536" cy="1292662"/>
           </a:xfrm>
           <a:prstGeom prst="rect">
             <a:avLst/>
@@ -12703,30 +12835,55 @@
           </a:bodyPr>
           <a:lstStyle/>
           <a:p>
-            <a:pPr algn="ctr"/>
-            <a:r>
-              <a:rPr lang="en-US" sz="4000" dirty="0"/>
-              <a:t>Go and build your first SPA</a:t>
-            </a:r>
-          </a:p>
-          <a:p>
-            <a:pPr algn="ctr"/>
-            <a:r>
-              <a:rPr lang="en-US" sz="4000" dirty="0"/>
-              <a:t>If you need a backend for it, go for ASP.NET Core</a:t>
-            </a:r>
-          </a:p>
-          <a:p>
-            <a:pPr algn="ctr"/>
-            <a:r>
-              <a:rPr lang="en-US" sz="4000" dirty="0"/>
-              <a:t>If you liked it, go deeper, try adding </a:t>
-            </a:r>
-            <a:r>
-              <a:rPr lang="en-US" sz="4000" dirty="0" err="1"/>
-              <a:t>Docker</a:t>
-            </a:r>
-            <a:endParaRPr lang="en-US" sz="4000" dirty="0"/>
+            <a:pPr marL="571500" indent="-571500">
+              <a:buFont typeface="Arial" panose="020B0604020202020204" pitchFamily="34" charset="0"/>
+              <a:buChar char="•"/>
+            </a:pPr>
+            <a:r>
+              <a:rPr lang="en-US" sz="2600" dirty="0"/>
+              <a:t>ASP.NET Core </a:t>
+            </a:r>
+            <a:r>
+              <a:rPr lang="en-US" sz="2600" dirty="0">
+                <a:hlinkClick r:id="rId4"/>
+              </a:rPr>
+              <a:t>https://docs.microsoft.com/en-us/aspnet/core/</a:t>
+            </a:r>
+            <a:endParaRPr lang="en-US" sz="2600" dirty="0"/>
+          </a:p>
+          <a:p>
+            <a:pPr marL="571500" indent="-571500">
+              <a:buFont typeface="Arial" panose="020B0604020202020204" pitchFamily="34" charset="0"/>
+              <a:buChar char="•"/>
+            </a:pPr>
+            <a:r>
+              <a:rPr lang="en-US" sz="2600" dirty="0"/>
+              <a:t>Angular </a:t>
+            </a:r>
+            <a:r>
+              <a:rPr lang="en-US" sz="2600" dirty="0">
+                <a:hlinkClick r:id="rId5"/>
+              </a:rPr>
+              <a:t>https://angular.io/guide/quickstart</a:t>
+            </a:r>
+            <a:endParaRPr lang="en-US" sz="2600" dirty="0"/>
+          </a:p>
+          <a:p>
+            <a:pPr marL="571500" indent="-571500">
+              <a:buFont typeface="Arial" panose="020B0604020202020204" pitchFamily="34" charset="0"/>
+              <a:buChar char="•"/>
+            </a:pPr>
+            <a:r>
+              <a:rPr lang="en-US" sz="2600" dirty="0"/>
+              <a:t>Presentation &amp; Sources </a:t>
+            </a:r>
+            <a:r>
+              <a:rPr lang="en-US" sz="2600" dirty="0">
+                <a:hlinkClick r:id="rId6"/>
+              </a:rPr>
+              <a:t>https://github.com/Kerego/ict-2017</a:t>
+            </a:r>
+            <a:endParaRPr lang="en-US" sz="2600" dirty="0"/>
           </a:p>
         </p:txBody>
       </p:sp>
@@ -12745,7 +12902,7 @@
           <p:nvPr/>
         </p:nvPicPr>
         <p:blipFill>
-          <a:blip r:embed="rId4" cstate="print">
+          <a:blip r:embed="rId7" cstate="print">
             <a:extLst>
               <a:ext uri="{28A0092B-C50C-407E-A947-70E740481C1C}">
                 <a14:useLocalDpi xmlns:a14="http://schemas.microsoft.com/office/drawing/2010/main" val="0"/>
@@ -12766,19 +12923,78 @@
           </a:prstGeom>
         </p:spPr>
       </p:pic>
+      <p:sp>
+        <p:nvSpPr>
+          <p:cNvPr id="7" name="Title 1">
+            <a:extLst>
+              <a:ext uri="{FF2B5EF4-FFF2-40B4-BE49-F238E27FC236}">
+                <a16:creationId xmlns:a16="http://schemas.microsoft.com/office/drawing/2014/main" id="{D38F1C5B-4477-476C-85CF-465DCD3C8217}"/>
+              </a:ext>
+            </a:extLst>
+          </p:cNvPr>
+          <p:cNvSpPr txBox="1">
+            <a:spLocks/>
+          </p:cNvSpPr>
+          <p:nvPr/>
+        </p:nvSpPr>
+        <p:spPr>
+          <a:xfrm>
+            <a:off x="766163" y="1030288"/>
+            <a:ext cx="10515600" cy="1080088"/>
+          </a:xfrm>
+          <a:prstGeom prst="rect">
+            <a:avLst/>
+          </a:prstGeom>
+        </p:spPr>
+        <p:txBody>
+          <a:bodyPr vert="horz" lIns="91440" tIns="45720" rIns="91440" bIns="45720" rtlCol="0" anchor="ctr">
+            <a:normAutofit/>
+          </a:bodyPr>
+          <a:lstStyle>
+            <a:lvl1pPr algn="l" defTabSz="914400" rtl="0" eaLnBrk="1" latinLnBrk="0" hangingPunct="1">
+              <a:lnSpc>
+                <a:spcPct val="90000"/>
+              </a:lnSpc>
+              <a:spcBef>
+                <a:spcPct val="0"/>
+              </a:spcBef>
+              <a:buNone/>
+              <a:defRPr sz="4400" kern="1200">
+                <a:solidFill>
+                  <a:schemeClr val="tx1"/>
+                </a:solidFill>
+                <a:latin typeface="+mj-lt"/>
+                <a:ea typeface="+mj-ea"/>
+                <a:cs typeface="+mj-cs"/>
+              </a:defRPr>
+            </a:lvl1pPr>
+          </a:lstStyle>
+          <a:p>
+            <a:r>
+              <a:rPr lang="en-US" dirty="0"/>
+              <a:t>Links</a:t>
+            </a:r>
+          </a:p>
+        </p:txBody>
+      </p:sp>
     </p:spTree>
     <p:extLst>
       <p:ext uri="{BB962C8B-B14F-4D97-AF65-F5344CB8AC3E}">
-        <p14:creationId xmlns:p14="http://schemas.microsoft.com/office/powerpoint/2010/main" val="2948549210"/>
+        <p14:creationId xmlns:p14="http://schemas.microsoft.com/office/powerpoint/2010/main" val="2313335823"/>
       </p:ext>
     </p:extLst>
   </p:cSld>
   <p:clrMapOvr>
     <a:masterClrMapping/>
   </p:clrMapOvr>
-  <p:transition spd="slow">
-    <p:push dir="u"/>
-  </p:transition>
+  <mc:AlternateContent xmlns:mc="http://schemas.openxmlformats.org/markup-compatibility/2006" xmlns:p14="http://schemas.microsoft.com/office/powerpoint/2010/main">
+    <mc:Choice Requires="p14">
+      <p:transition p14:dur="0"/>
+    </mc:Choice>
+    <mc:Fallback xmlns="">
+      <p:transition/>
+    </mc:Fallback>
+  </mc:AlternateContent>
 </p:sld>
 </file>
 
@@ -12965,9 +13181,14 @@
   <p:clrMapOvr>
     <a:masterClrMapping/>
   </p:clrMapOvr>
-  <p:transition spd="slow">
-    <p:push dir="u"/>
-  </p:transition>
+  <mc:AlternateContent xmlns:mc="http://schemas.openxmlformats.org/markup-compatibility/2006">
+    <mc:Choice xmlns:p14="http://schemas.microsoft.com/office/powerpoint/2010/main" Requires="p14">
+      <p:transition p14:dur="0"/>
+    </mc:Choice>
+    <mc:Fallback>
+      <p:transition/>
+    </mc:Fallback>
+  </mc:AlternateContent>
 </p:sld>
 </file>
 
@@ -13093,9 +13314,14 @@
   <p:clrMapOvr>
     <a:masterClrMapping/>
   </p:clrMapOvr>
-  <p:transition spd="slow">
-    <p:push dir="u"/>
-  </p:transition>
+  <mc:AlternateContent xmlns:mc="http://schemas.openxmlformats.org/markup-compatibility/2006">
+    <mc:Choice xmlns:p14="http://schemas.microsoft.com/office/powerpoint/2010/main" Requires="p14">
+      <p:transition p14:dur="0"/>
+    </mc:Choice>
+    <mc:Fallback>
+      <p:transition/>
+    </mc:Fallback>
+  </mc:AlternateContent>
 </p:sld>
 </file>
 
@@ -13711,9 +13937,14 @@
   <p:clrMapOvr>
     <a:masterClrMapping/>
   </p:clrMapOvr>
-  <p:transition spd="slow">
-    <p:push dir="u"/>
-  </p:transition>
+  <mc:AlternateContent xmlns:mc="http://schemas.openxmlformats.org/markup-compatibility/2006">
+    <mc:Choice xmlns:p14="http://schemas.microsoft.com/office/powerpoint/2010/main" Requires="p14">
+      <p:transition p14:dur="0"/>
+    </mc:Choice>
+    <mc:Fallback>
+      <p:transition/>
+    </mc:Fallback>
+  </mc:AlternateContent>
 </p:sld>
 </file>
 
@@ -14324,9 +14555,14 @@
   <p:clrMapOvr>
     <a:masterClrMapping/>
   </p:clrMapOvr>
-  <p:transition spd="slow">
-    <p:push dir="u"/>
-  </p:transition>
+  <mc:AlternateContent xmlns:mc="http://schemas.openxmlformats.org/markup-compatibility/2006">
+    <mc:Choice xmlns:p14="http://schemas.microsoft.com/office/powerpoint/2010/main" Requires="p14">
+      <p:transition p14:dur="0"/>
+    </mc:Choice>
+    <mc:Fallback>
+      <p:transition/>
+    </mc:Fallback>
+  </mc:AlternateContent>
 </p:sld>
 </file>
 
@@ -14468,9 +14704,14 @@
   <p:clrMapOvr>
     <a:masterClrMapping/>
   </p:clrMapOvr>
-  <p:transition spd="slow">
-    <p:push dir="u"/>
-  </p:transition>
+  <mc:AlternateContent xmlns:mc="http://schemas.openxmlformats.org/markup-compatibility/2006">
+    <mc:Choice xmlns:p14="http://schemas.microsoft.com/office/powerpoint/2010/main" Requires="p14">
+      <p:transition p14:dur="0"/>
+    </mc:Choice>
+    <mc:Fallback>
+      <p:transition/>
+    </mc:Fallback>
+  </mc:AlternateContent>
 </p:sld>
 </file>
 
@@ -15105,9 +15346,14 @@
   <p:clrMapOvr>
     <a:masterClrMapping/>
   </p:clrMapOvr>
-  <p:transition spd="slow">
-    <p:push dir="u"/>
-  </p:transition>
+  <mc:AlternateContent xmlns:mc="http://schemas.openxmlformats.org/markup-compatibility/2006">
+    <mc:Choice xmlns:p14="http://schemas.microsoft.com/office/powerpoint/2010/main" Requires="p14">
+      <p:transition p14:dur="0"/>
+    </mc:Choice>
+    <mc:Fallback>
+      <p:transition/>
+    </mc:Fallback>
+  </mc:AlternateContent>
 </p:sld>
 </file>
 
@@ -15454,9 +15700,14 @@
   <p:clrMapOvr>
     <a:masterClrMapping/>
   </p:clrMapOvr>
-  <p:transition spd="slow">
-    <p:push dir="u"/>
-  </p:transition>
+  <mc:AlternateContent xmlns:mc="http://schemas.openxmlformats.org/markup-compatibility/2006">
+    <mc:Choice xmlns:p14="http://schemas.microsoft.com/office/powerpoint/2010/main" Requires="p14">
+      <p:transition p14:dur="0"/>
+    </mc:Choice>
+    <mc:Fallback>
+      <p:transition/>
+    </mc:Fallback>
+  </mc:AlternateContent>
 </p:sld>
 </file>
 
@@ -15803,9 +16054,14 @@
   <p:clrMapOvr>
     <a:masterClrMapping/>
   </p:clrMapOvr>
-  <p:transition spd="slow">
-    <p:push dir="u"/>
-  </p:transition>
+  <mc:AlternateContent xmlns:mc="http://schemas.openxmlformats.org/markup-compatibility/2006">
+    <mc:Choice xmlns:p14="http://schemas.microsoft.com/office/powerpoint/2010/main" Requires="p14">
+      <p:transition p14:dur="0"/>
+    </mc:Choice>
+    <mc:Fallback>
+      <p:transition/>
+    </mc:Fallback>
+  </mc:AlternateContent>
 </p:sld>
 </file>
 
@@ -16152,9 +16408,14 @@
   <p:clrMapOvr>
     <a:masterClrMapping/>
   </p:clrMapOvr>
-  <p:transition spd="slow">
-    <p:push dir="u"/>
-  </p:transition>
+  <mc:AlternateContent xmlns:mc="http://schemas.openxmlformats.org/markup-compatibility/2006">
+    <mc:Choice xmlns:p14="http://schemas.microsoft.com/office/powerpoint/2010/main" Requires="p14">
+      <p:transition p14:dur="0"/>
+    </mc:Choice>
+    <mc:Fallback>
+      <p:transition/>
+    </mc:Fallback>
+  </mc:AlternateContent>
 </p:sld>
 </file>
 
